--- a/LSE_GP_SM.pptx
+++ b/LSE_GP_SM.pptx
@@ -263,7 +263,7 @@
           <a:p>
             <a:fld id="{9C2EE8DA-918A-4E8F-8C69-7A7F8C59FC72}" type="datetimeFigureOut">
               <a:rPr lang="en-US" smtClean="0"/>
-              <a:t>5/9/2024</a:t>
+              <a:t>5/10/2024</a:t>
             </a:fld>
             <a:endParaRPr lang="en-US"/>
           </a:p>
@@ -461,7 +461,7 @@
           <a:p>
             <a:fld id="{9C2EE8DA-918A-4E8F-8C69-7A7F8C59FC72}" type="datetimeFigureOut">
               <a:rPr lang="en-US" smtClean="0"/>
-              <a:t>5/9/2024</a:t>
+              <a:t>5/10/2024</a:t>
             </a:fld>
             <a:endParaRPr lang="en-US"/>
           </a:p>
@@ -669,7 +669,7 @@
           <a:p>
             <a:fld id="{9C2EE8DA-918A-4E8F-8C69-7A7F8C59FC72}" type="datetimeFigureOut">
               <a:rPr lang="en-US" smtClean="0"/>
-              <a:t>5/9/2024</a:t>
+              <a:t>5/10/2024</a:t>
             </a:fld>
             <a:endParaRPr lang="en-US"/>
           </a:p>
@@ -867,7 +867,7 @@
           <a:p>
             <a:fld id="{9C2EE8DA-918A-4E8F-8C69-7A7F8C59FC72}" type="datetimeFigureOut">
               <a:rPr lang="en-US" smtClean="0"/>
-              <a:t>5/9/2024</a:t>
+              <a:t>5/10/2024</a:t>
             </a:fld>
             <a:endParaRPr lang="en-US"/>
           </a:p>
@@ -1142,7 +1142,7 @@
           <a:p>
             <a:fld id="{9C2EE8DA-918A-4E8F-8C69-7A7F8C59FC72}" type="datetimeFigureOut">
               <a:rPr lang="en-US" smtClean="0"/>
-              <a:t>5/9/2024</a:t>
+              <a:t>5/10/2024</a:t>
             </a:fld>
             <a:endParaRPr lang="en-US"/>
           </a:p>
@@ -1407,7 +1407,7 @@
           <a:p>
             <a:fld id="{9C2EE8DA-918A-4E8F-8C69-7A7F8C59FC72}" type="datetimeFigureOut">
               <a:rPr lang="en-US" smtClean="0"/>
-              <a:t>5/9/2024</a:t>
+              <a:t>5/10/2024</a:t>
             </a:fld>
             <a:endParaRPr lang="en-US"/>
           </a:p>
@@ -1819,7 +1819,7 @@
           <a:p>
             <a:fld id="{9C2EE8DA-918A-4E8F-8C69-7A7F8C59FC72}" type="datetimeFigureOut">
               <a:rPr lang="en-US" smtClean="0"/>
-              <a:t>5/9/2024</a:t>
+              <a:t>5/10/2024</a:t>
             </a:fld>
             <a:endParaRPr lang="en-US"/>
           </a:p>
@@ -1960,7 +1960,7 @@
           <a:p>
             <a:fld id="{9C2EE8DA-918A-4E8F-8C69-7A7F8C59FC72}" type="datetimeFigureOut">
               <a:rPr lang="en-US" smtClean="0"/>
-              <a:t>5/9/2024</a:t>
+              <a:t>5/10/2024</a:t>
             </a:fld>
             <a:endParaRPr lang="en-US"/>
           </a:p>
@@ -2073,7 +2073,7 @@
           <a:p>
             <a:fld id="{9C2EE8DA-918A-4E8F-8C69-7A7F8C59FC72}" type="datetimeFigureOut">
               <a:rPr lang="en-US" smtClean="0"/>
-              <a:t>5/9/2024</a:t>
+              <a:t>5/10/2024</a:t>
             </a:fld>
             <a:endParaRPr lang="en-US"/>
           </a:p>
@@ -2384,7 +2384,7 @@
           <a:p>
             <a:fld id="{9C2EE8DA-918A-4E8F-8C69-7A7F8C59FC72}" type="datetimeFigureOut">
               <a:rPr lang="en-US" smtClean="0"/>
-              <a:t>5/9/2024</a:t>
+              <a:t>5/10/2024</a:t>
             </a:fld>
             <a:endParaRPr lang="en-US"/>
           </a:p>
@@ -2672,7 +2672,7 @@
           <a:p>
             <a:fld id="{9C2EE8DA-918A-4E8F-8C69-7A7F8C59FC72}" type="datetimeFigureOut">
               <a:rPr lang="en-US" smtClean="0"/>
-              <a:t>5/9/2024</a:t>
+              <a:t>5/10/2024</a:t>
             </a:fld>
             <a:endParaRPr lang="en-US"/>
           </a:p>
@@ -2913,7 +2913,7 @@
           <a:p>
             <a:fld id="{9C2EE8DA-918A-4E8F-8C69-7A7F8C59FC72}" type="datetimeFigureOut">
               <a:rPr lang="en-US" smtClean="0"/>
-              <a:t>5/9/2024</a:t>
+              <a:t>5/10/2024</a:t>
             </a:fld>
             <a:endParaRPr lang="en-US"/>
           </a:p>
@@ -4067,8 +4067,8 @@
           </a:p>
         </p:txBody>
       </p:sp>
-      <mc:AlternateContent xmlns:mc="http://schemas.openxmlformats.org/markup-compatibility/2006" xmlns:a14="http://schemas.microsoft.com/office/drawing/2010/main">
-        <mc:Choice Requires="a14">
+      <mc:AlternateContent xmlns:mc="http://schemas.openxmlformats.org/markup-compatibility/2006">
+        <mc:Choice xmlns:a14="http://schemas.microsoft.com/office/drawing/2010/main" Requires="a14">
           <p:sp>
             <p:nvSpPr>
               <p:cNvPr id="10" name="TextBox 9">
@@ -4083,8 +4083,8 @@
             </p:nvSpPr>
             <p:spPr>
               <a:xfrm>
-                <a:off x="7321826" y="251174"/>
-                <a:ext cx="4870174" cy="961930"/>
+                <a:off x="7149548" y="251174"/>
+                <a:ext cx="5042452" cy="961930"/>
               </a:xfrm>
               <a:prstGeom prst="rect">
                 <a:avLst/>
@@ -4548,6 +4548,40 @@
                         </a:rPr>
                         <m:t>−</m:t>
                       </m:r>
+                      <m:sSub>
+                        <m:sSubPr>
+                          <m:ctrlPr>
+                            <a:rPr lang="en-US" b="0" i="1" smtClean="0">
+                              <a:solidFill>
+                                <a:srgbClr val="FF0000"/>
+                              </a:solidFill>
+                              <a:latin typeface="Cambria Math" panose="02040503050406030204" pitchFamily="18" charset="0"/>
+                            </a:rPr>
+                          </m:ctrlPr>
+                        </m:sSubPr>
+                        <m:e>
+                          <m:r>
+                            <a:rPr lang="en-US" b="0" i="1" smtClean="0">
+                              <a:solidFill>
+                                <a:srgbClr val="FF0000"/>
+                              </a:solidFill>
+                              <a:latin typeface="Cambria Math" panose="02040503050406030204" pitchFamily="18" charset="0"/>
+                            </a:rPr>
+                            <m:t>𝑚</m:t>
+                          </m:r>
+                        </m:e>
+                        <m:sub>
+                          <m:r>
+                            <a:rPr lang="en-US" b="0" i="1" smtClean="0">
+                              <a:solidFill>
+                                <a:srgbClr val="FF0000"/>
+                              </a:solidFill>
+                              <a:latin typeface="Cambria Math" panose="02040503050406030204" pitchFamily="18" charset="0"/>
+                            </a:rPr>
+                            <m:t>𝑖</m:t>
+                          </m:r>
+                        </m:sub>
+                      </m:sSub>
                       <m:r>
                         <a:rPr lang="en-US" b="0" i="1" smtClean="0">
                           <a:solidFill>
@@ -4555,7 +4589,7 @@
                           </a:solidFill>
                           <a:latin typeface="Cambria Math" panose="02040503050406030204" pitchFamily="18" charset="0"/>
                         </a:rPr>
-                        <m:t>𝑚𝑔</m:t>
+                        <m:t>𝑔</m:t>
                       </m:r>
                       <m:sSub>
                         <m:sSubPr>
@@ -4750,7 +4784,7 @@
             </p:txBody>
           </p:sp>
         </mc:Choice>
-        <mc:Fallback xmlns="">
+        <mc:Fallback>
           <p:sp>
             <p:nvSpPr>
               <p:cNvPr id="10" name="TextBox 9">
@@ -4767,14 +4801,14 @@
             </p:nvSpPr>
             <p:spPr>
               <a:xfrm>
-                <a:off x="7321826" y="251174"/>
-                <a:ext cx="4870174" cy="961930"/>
+                <a:off x="7149548" y="251174"/>
+                <a:ext cx="5042452" cy="961930"/>
               </a:xfrm>
               <a:prstGeom prst="rect">
                 <a:avLst/>
               </a:prstGeom>
               <a:blipFill>
-                <a:blip r:embed="rId3"/>
+                <a:blip r:embed="rId2"/>
                 <a:stretch>
                   <a:fillRect/>
                 </a:stretch>
@@ -4809,7 +4843,7 @@
         </p:nvSpPr>
         <p:spPr>
           <a:xfrm>
-            <a:off x="7321826" y="250602"/>
+            <a:off x="7262191" y="261144"/>
             <a:ext cx="4817165" cy="959622"/>
           </a:xfrm>
           <a:prstGeom prst="roundRect">
@@ -4864,7 +4898,7 @@
           <p:nvPr/>
         </p:nvPicPr>
         <p:blipFill>
-          <a:blip r:embed="rId4"/>
+          <a:blip r:embed="rId3"/>
           <a:stretch>
             <a:fillRect/>
           </a:stretch>
@@ -4894,7 +4928,7 @@
           <p:nvPr/>
         </p:nvPicPr>
         <p:blipFill>
-          <a:blip r:embed="rId5"/>
+          <a:blip r:embed="rId4"/>
           <a:stretch>
             <a:fillRect/>
           </a:stretch>
